--- a/slides/08-integrating-queries.pptx
+++ b/slides/08-integrating-queries.pptx
@@ -207,7 +207,7 @@
           <a:p>
             <a:fld id="{15DA2908-672F-DC48-8CAD-AEE711B947DA}" type="datetimeFigureOut">
               <a:rPr lang="en-US" smtClean="0"/>
-              <a:t>6/26/25</a:t>
+              <a:t>6/29/25</a:t>
             </a:fld>
             <a:endParaRPr lang="en-US"/>
           </a:p>
@@ -2311,7 +2311,7 @@
           <a:p>
             <a:fld id="{F6CCBF3A-D7FB-4B97-8FD5-6FFB20CB1E84}" type="datetimeFigureOut">
               <a:rPr lang="en-US" smtClean="0"/>
-              <a:t>6/26/25</a:t>
+              <a:t>6/29/25</a:t>
             </a:fld>
             <a:endParaRPr lang="en-US"/>
           </a:p>
@@ -3770,7 +3770,7 @@
           <a:p>
             <a:fld id="{F6CCBF3A-D7FB-4B97-8FD5-6FFB20CB1E84}" type="datetimeFigureOut">
               <a:rPr lang="en-US" smtClean="0"/>
-              <a:t>6/26/25</a:t>
+              <a:t>6/29/25</a:t>
             </a:fld>
             <a:endParaRPr lang="en-US"/>
           </a:p>
@@ -5223,7 +5223,7 @@
           <a:p>
             <a:fld id="{F6CCBF3A-D7FB-4B97-8FD5-6FFB20CB1E84}" type="datetimeFigureOut">
               <a:rPr lang="en-US" smtClean="0"/>
-              <a:t>6/26/25</a:t>
+              <a:t>6/29/25</a:t>
             </a:fld>
             <a:endParaRPr lang="en-US"/>
           </a:p>
@@ -7771,7 +7771,7 @@
           <a:p>
             <a:fld id="{F6CCBF3A-D7FB-4B97-8FD5-6FFB20CB1E84}" type="datetimeFigureOut">
               <a:rPr lang="en-US" smtClean="0"/>
-              <a:t>6/26/25</a:t>
+              <a:t>6/29/25</a:t>
             </a:fld>
             <a:endParaRPr lang="en-US"/>
           </a:p>
@@ -9279,7 +9279,7 @@
           <a:p>
             <a:fld id="{F6CCBF3A-D7FB-4B97-8FD5-6FFB20CB1E84}" type="datetimeFigureOut">
               <a:rPr lang="en-US" smtClean="0"/>
-              <a:t>6/26/25</a:t>
+              <a:t>6/29/25</a:t>
             </a:fld>
             <a:endParaRPr lang="en-US"/>
           </a:p>
@@ -10800,7 +10800,7 @@
           <a:p>
             <a:fld id="{F6CCBF3A-D7FB-4B97-8FD5-6FFB20CB1E84}" type="datetimeFigureOut">
               <a:rPr lang="en-US" smtClean="0"/>
-              <a:t>6/26/25</a:t>
+              <a:t>6/29/25</a:t>
             </a:fld>
             <a:endParaRPr lang="en-US"/>
           </a:p>
@@ -12465,7 +12465,7 @@
           <a:p>
             <a:fld id="{F6CCBF3A-D7FB-4B97-8FD5-6FFB20CB1E84}" type="datetimeFigureOut">
               <a:rPr lang="en-US" smtClean="0"/>
-              <a:t>6/26/25</a:t>
+              <a:t>6/29/25</a:t>
             </a:fld>
             <a:endParaRPr lang="en-US"/>
           </a:p>
@@ -13863,7 +13863,7 @@
           <a:p>
             <a:fld id="{F6CCBF3A-D7FB-4B97-8FD5-6FFB20CB1E84}" type="datetimeFigureOut">
               <a:rPr lang="en-US" smtClean="0"/>
-              <a:t>6/26/25</a:t>
+              <a:t>6/29/25</a:t>
             </a:fld>
             <a:endParaRPr lang="en-US"/>
           </a:p>
@@ -13963,7 +13963,7 @@
           <a:p>
             <a:fld id="{F6CCBF3A-D7FB-4B97-8FD5-6FFB20CB1E84}" type="datetimeFigureOut">
               <a:rPr lang="en-US" smtClean="0"/>
-              <a:t>6/26/25</a:t>
+              <a:t>6/29/25</a:t>
             </a:fld>
             <a:endParaRPr lang="en-US"/>
           </a:p>
@@ -15489,7 +15489,7 @@
           <a:p>
             <a:fld id="{F6CCBF3A-D7FB-4B97-8FD5-6FFB20CB1E84}" type="datetimeFigureOut">
               <a:rPr lang="en-US" smtClean="0"/>
-              <a:t>6/26/25</a:t>
+              <a:t>6/29/25</a:t>
             </a:fld>
             <a:endParaRPr lang="en-US"/>
           </a:p>
@@ -17025,7 +17025,7 @@
           <a:p>
             <a:fld id="{F6CCBF3A-D7FB-4B97-8FD5-6FFB20CB1E84}" type="datetimeFigureOut">
               <a:rPr lang="en-US" smtClean="0"/>
-              <a:t>6/26/25</a:t>
+              <a:t>6/29/25</a:t>
             </a:fld>
             <a:endParaRPr lang="en-US"/>
           </a:p>
@@ -17248,7 +17248,7 @@
           <a:p>
             <a:fld id="{F6CCBF3A-D7FB-4B97-8FD5-6FFB20CB1E84}" type="datetimeFigureOut">
               <a:rPr lang="en-US" smtClean="0"/>
-              <a:t>6/26/25</a:t>
+              <a:t>6/29/25</a:t>
             </a:fld>
             <a:endParaRPr lang="en-US"/>
           </a:p>
@@ -19775,6 +19775,246 @@
                       </p:childTnLst>
                     </p:cTn>
                   </p:par>
+                  <p:par>
+                    <p:cTn id="31" fill="hold">
+                      <p:stCondLst>
+                        <p:cond delay="indefinite"/>
+                      </p:stCondLst>
+                      <p:childTnLst>
+                        <p:par>
+                          <p:cTn id="32" fill="hold">
+                            <p:stCondLst>
+                              <p:cond delay="0"/>
+                            </p:stCondLst>
+                            <p:childTnLst>
+                              <p:par>
+                                <p:cTn id="33" presetID="1" presetClass="entr" presetSubtype="0" fill="hold" grpId="1" nodeType="clickEffect">
+                                  <p:stCondLst>
+                                    <p:cond delay="0"/>
+                                  </p:stCondLst>
+                                  <p:childTnLst>
+                                    <p:set>
+                                      <p:cBhvr>
+                                        <p:cTn id="34" dur="1" fill="hold">
+                                          <p:stCondLst>
+                                            <p:cond delay="0"/>
+                                          </p:stCondLst>
+                                        </p:cTn>
+                                        <p:tgtEl>
+                                          <p:spTgt spid="5">
+                                            <p:txEl>
+                                              <p:pRg st="0" end="0"/>
+                                            </p:txEl>
+                                          </p:spTgt>
+                                        </p:tgtEl>
+                                        <p:attrNameLst>
+                                          <p:attrName>style.visibility</p:attrName>
+                                        </p:attrNameLst>
+                                      </p:cBhvr>
+                                      <p:to>
+                                        <p:strVal val="visible"/>
+                                      </p:to>
+                                    </p:set>
+                                  </p:childTnLst>
+                                </p:cTn>
+                              </p:par>
+                            </p:childTnLst>
+                          </p:cTn>
+                        </p:par>
+                      </p:childTnLst>
+                    </p:cTn>
+                  </p:par>
+                  <p:par>
+                    <p:cTn id="35" fill="hold">
+                      <p:stCondLst>
+                        <p:cond delay="indefinite"/>
+                      </p:stCondLst>
+                      <p:childTnLst>
+                        <p:par>
+                          <p:cTn id="36" fill="hold">
+                            <p:stCondLst>
+                              <p:cond delay="0"/>
+                            </p:stCondLst>
+                            <p:childTnLst>
+                              <p:par>
+                                <p:cTn id="37" presetID="1" presetClass="entr" presetSubtype="0" fill="hold" grpId="1" nodeType="clickEffect">
+                                  <p:stCondLst>
+                                    <p:cond delay="0"/>
+                                  </p:stCondLst>
+                                  <p:childTnLst>
+                                    <p:set>
+                                      <p:cBhvr>
+                                        <p:cTn id="38" dur="1" fill="hold">
+                                          <p:stCondLst>
+                                            <p:cond delay="0"/>
+                                          </p:stCondLst>
+                                        </p:cTn>
+                                        <p:tgtEl>
+                                          <p:spTgt spid="5">
+                                            <p:txEl>
+                                              <p:pRg st="1" end="1"/>
+                                            </p:txEl>
+                                          </p:spTgt>
+                                        </p:tgtEl>
+                                        <p:attrNameLst>
+                                          <p:attrName>style.visibility</p:attrName>
+                                        </p:attrNameLst>
+                                      </p:cBhvr>
+                                      <p:to>
+                                        <p:strVal val="visible"/>
+                                      </p:to>
+                                    </p:set>
+                                  </p:childTnLst>
+                                </p:cTn>
+                              </p:par>
+                              <p:par>
+                                <p:cTn id="39" presetID="1" presetClass="entr" presetSubtype="0" fill="hold" grpId="1" nodeType="withEffect">
+                                  <p:stCondLst>
+                                    <p:cond delay="0"/>
+                                  </p:stCondLst>
+                                  <p:childTnLst>
+                                    <p:set>
+                                      <p:cBhvr>
+                                        <p:cTn id="40" dur="1" fill="hold">
+                                          <p:stCondLst>
+                                            <p:cond delay="0"/>
+                                          </p:stCondLst>
+                                        </p:cTn>
+                                        <p:tgtEl>
+                                          <p:spTgt spid="5">
+                                            <p:txEl>
+                                              <p:pRg st="2" end="2"/>
+                                            </p:txEl>
+                                          </p:spTgt>
+                                        </p:tgtEl>
+                                        <p:attrNameLst>
+                                          <p:attrName>style.visibility</p:attrName>
+                                        </p:attrNameLst>
+                                      </p:cBhvr>
+                                      <p:to>
+                                        <p:strVal val="visible"/>
+                                      </p:to>
+                                    </p:set>
+                                  </p:childTnLst>
+                                </p:cTn>
+                              </p:par>
+                              <p:par>
+                                <p:cTn id="41" presetID="1" presetClass="entr" presetSubtype="0" fill="hold" grpId="1" nodeType="withEffect">
+                                  <p:stCondLst>
+                                    <p:cond delay="0"/>
+                                  </p:stCondLst>
+                                  <p:childTnLst>
+                                    <p:set>
+                                      <p:cBhvr>
+                                        <p:cTn id="42" dur="1" fill="hold">
+                                          <p:stCondLst>
+                                            <p:cond delay="0"/>
+                                          </p:stCondLst>
+                                        </p:cTn>
+                                        <p:tgtEl>
+                                          <p:spTgt spid="5">
+                                            <p:txEl>
+                                              <p:pRg st="3" end="3"/>
+                                            </p:txEl>
+                                          </p:spTgt>
+                                        </p:tgtEl>
+                                        <p:attrNameLst>
+                                          <p:attrName>style.visibility</p:attrName>
+                                        </p:attrNameLst>
+                                      </p:cBhvr>
+                                      <p:to>
+                                        <p:strVal val="visible"/>
+                                      </p:to>
+                                    </p:set>
+                                  </p:childTnLst>
+                                </p:cTn>
+                              </p:par>
+                              <p:par>
+                                <p:cTn id="43" presetID="1" presetClass="entr" presetSubtype="0" fill="hold" grpId="1" nodeType="withEffect">
+                                  <p:stCondLst>
+                                    <p:cond delay="0"/>
+                                  </p:stCondLst>
+                                  <p:childTnLst>
+                                    <p:set>
+                                      <p:cBhvr>
+                                        <p:cTn id="44" dur="1" fill="hold">
+                                          <p:stCondLst>
+                                            <p:cond delay="0"/>
+                                          </p:stCondLst>
+                                        </p:cTn>
+                                        <p:tgtEl>
+                                          <p:spTgt spid="5">
+                                            <p:txEl>
+                                              <p:pRg st="4" end="4"/>
+                                            </p:txEl>
+                                          </p:spTgt>
+                                        </p:tgtEl>
+                                        <p:attrNameLst>
+                                          <p:attrName>style.visibility</p:attrName>
+                                        </p:attrNameLst>
+                                      </p:cBhvr>
+                                      <p:to>
+                                        <p:strVal val="visible"/>
+                                      </p:to>
+                                    </p:set>
+                                  </p:childTnLst>
+                                </p:cTn>
+                              </p:par>
+                            </p:childTnLst>
+                          </p:cTn>
+                        </p:par>
+                      </p:childTnLst>
+                    </p:cTn>
+                  </p:par>
+                  <p:par>
+                    <p:cTn id="45" fill="hold">
+                      <p:stCondLst>
+                        <p:cond delay="indefinite"/>
+                      </p:stCondLst>
+                      <p:childTnLst>
+                        <p:par>
+                          <p:cTn id="46" fill="hold">
+                            <p:stCondLst>
+                              <p:cond delay="0"/>
+                            </p:stCondLst>
+                            <p:childTnLst>
+                              <p:par>
+                                <p:cTn id="47" presetID="1" presetClass="entr" presetSubtype="0" fill="hold" grpId="1" nodeType="clickEffect">
+                                  <p:stCondLst>
+                                    <p:cond delay="0"/>
+                                  </p:stCondLst>
+                                  <p:childTnLst>
+                                    <p:set>
+                                      <p:cBhvr>
+                                        <p:cTn id="48" dur="1" fill="hold">
+                                          <p:stCondLst>
+                                            <p:cond delay="0"/>
+                                          </p:stCondLst>
+                                        </p:cTn>
+                                        <p:tgtEl>
+                                          <p:spTgt spid="5">
+                                            <p:txEl>
+                                              <p:pRg st="5" end="5"/>
+                                            </p:txEl>
+                                          </p:spTgt>
+                                        </p:tgtEl>
+                                        <p:attrNameLst>
+                                          <p:attrName>style.visibility</p:attrName>
+                                        </p:attrNameLst>
+                                      </p:cBhvr>
+                                      <p:to>
+                                        <p:strVal val="visible"/>
+                                      </p:to>
+                                    </p:set>
+                                  </p:childTnLst>
+                                </p:cTn>
+                              </p:par>
+                            </p:childTnLst>
+                          </p:cTn>
+                        </p:par>
+                      </p:childTnLst>
+                    </p:cTn>
+                  </p:par>
                 </p:childTnLst>
               </p:cTn>
               <p:prevCondLst>
@@ -19798,6 +20038,7 @@
     </p:tnLst>
     <p:bldLst>
       <p:bldP spid="5" grpId="0" build="p" bldLvl="2"/>
+      <p:bldP spid="5" grpId="1" build="p"/>
       <p:bldP spid="9" grpId="0"/>
     </p:bldLst>
   </p:timing>
